--- a/public/Pipeline Branch Prediction Strategies.pptx
+++ b/public/Pipeline Branch Prediction Strategies.pptx
@@ -160,7 +160,7 @@
   </p:defaultTextStyle>
   <p:extLst>
     <p:ext uri="{EFAFB233-063F-42B5-8137-9DF3F51BA10A}">
-      <p15:sldGuideLst xmlns:p15="http://schemas.microsoft.com/office/powerpoint/2012/main">
+      <p15:sldGuideLst xmlns:p15="http://schemas.microsoft.com/office/powerpoint/2012/main" xmlns="">
         <p15:guide id="1" orient="horz" pos="2160" userDrawn="1">
           <p15:clr>
             <a:srgbClr val="A4A3A4"/>
@@ -25301,7 +25301,7 @@
                                 <a:srgbClr val="000000"/>
                               </a:solidFill>
                             </a:uFill>
-                            <a:latin typeface="Cambria Math" panose="02040503050406030204" pitchFamily="18" charset="0"/>
+                            <a:latin typeface="Cambria Math"/>
                             <a:ea typeface="Arial" panose="020B0604020202020204" pitchFamily="34" charset="0"/>
                             <a:cs typeface="Arial" panose="020B0604020202020204" pitchFamily="34" charset="0"/>
                           </a:rPr>
@@ -35326,17 +35326,7 @@
                 <a:latin typeface="Arial" panose="020B0604020202020204" pitchFamily="34" charset="0"/>
                 <a:cs typeface="Arial" panose="020B0604020202020204" pitchFamily="34" charset="0"/>
               </a:rPr>
-              <a:t>Branch Target Address(</a:t>
-            </a:r>
-            <a:r>
-              <a:rPr lang="en-US" altLang="zh-CN" dirty="0" smtClean="0">
-                <a:solidFill>
-                  <a:schemeClr val="tx1"/>
-                </a:solidFill>
-                <a:latin typeface="Arial" panose="020B0604020202020204" pitchFamily="34" charset="0"/>
-                <a:cs typeface="Arial" panose="020B0604020202020204" pitchFamily="34" charset="0"/>
-              </a:rPr>
-              <a:t>BTA) </a:t>
+              <a:t>Branch Target Address(BTA) </a:t>
             </a:r>
             <a:r>
               <a:rPr lang="en-US" altLang="zh-CN" dirty="0">
@@ -41929,7 +41919,7 @@
   <a:extraClrSchemeLst/>
   <a:extLst>
     <a:ext uri="{05A4C25C-085E-4340-85A3-A5531E510DB2}">
-      <thm15:themeFamily xmlns:thm15="http://schemas.microsoft.com/office/thememl/2012/main" name="Facet" id="{C0C680CD-088A-49FC-A102-D699147F32B2}" vid="{CFBC31BA-B70F-4F30-BCAA-4F3011E16C4D}"/>
+      <thm15:themeFamily xmlns:thm15="http://schemas.microsoft.com/office/thememl/2012/main" xmlns="" name="Facet" id="{C0C680CD-088A-49FC-A102-D699147F32B2}" vid="{CFBC31BA-B70F-4F30-BCAA-4F3011E16C4D}"/>
     </a:ext>
   </a:extLst>
 </a:theme>
@@ -42190,7 +42180,7 @@
   <a:extraClrSchemeLst/>
   <a:extLst>
     <a:ext uri="{05A4C25C-085E-4340-85A3-A5531E510DB2}">
-      <thm15:themeFamily xmlns:thm15="http://schemas.microsoft.com/office/thememl/2012/main" name="Office Theme" id="{62F939B6-93AF-4DB8-9C6B-D6C7DFDC589F}" vid="{4A3C46E8-61CC-4603-A589-7422A47A8E4A}"/>
+      <thm15:themeFamily xmlns:thm15="http://schemas.microsoft.com/office/thememl/2012/main" xmlns="" name="Office Theme" id="{62F939B6-93AF-4DB8-9C6B-D6C7DFDC589F}" vid="{4A3C46E8-61CC-4603-A589-7422A47A8E4A}"/>
     </a:ext>
   </a:extLst>
 </a:theme>
